--- a/doc/OZDPresentation.pptx
+++ b/doc/OZDPresentation.pptx
@@ -4129,7 +4129,7 @@
         <p:spPr/>
         <p:txBody>
           <a:bodyPr>
-            <a:normAutofit fontScale="70000" lnSpcReduction="20000"/>
+            <a:normAutofit fontScale="77500" lnSpcReduction="20000"/>
           </a:bodyPr>
           <a:lstStyle/>
           <a:p>
@@ -4141,12 +4141,16 @@
           <a:p>
             <a:pPr lvl="1"/>
             <a:r>
-              <a:rPr lang="bg-BG" dirty="0" err="1"/>
+              <a:rPr lang="bg-BG" dirty="0" err="1" smtClean="0"/>
               <a:t>maxAccuracy</a:t>
             </a:r>
             <a:r>
+              <a:rPr lang="bg-BG" dirty="0" smtClean="0"/>
+              <a:t>:  0.446183953033268 , l </a:t>
+            </a:r>
+            <a:r>
               <a:rPr lang="bg-BG" dirty="0"/>
-              <a:t>:  0.446183953033268 , l =  0.01</a:t>
+              <a:t>=  0.01</a:t>
             </a:r>
           </a:p>
           <a:p>
@@ -4220,12 +4224,16 @@
           <a:p>
             <a:pPr lvl="1"/>
             <a:r>
-              <a:rPr lang="bg-BG" dirty="0" err="1"/>
+              <a:rPr lang="bg-BG" dirty="0" err="1" smtClean="0"/>
               <a:t>maxAccuracy</a:t>
             </a:r>
             <a:r>
+              <a:rPr lang="bg-BG" dirty="0" smtClean="0"/>
+              <a:t>:  0.402366863905325 , l </a:t>
+            </a:r>
+            <a:r>
               <a:rPr lang="bg-BG" dirty="0"/>
-              <a:t>:  0.402366863905325 , l =  0.14</a:t>
+              <a:t>=  0.14</a:t>
             </a:r>
           </a:p>
           <a:p>
@@ -4260,53 +4268,51 @@
           <a:p>
             <a:pPr lvl="1"/>
             <a:r>
+              <a:rPr lang="bg-BG" dirty="0" err="1" smtClean="0"/>
+              <a:t>maxAccuracy</a:t>
+            </a:r>
+            <a:r>
+              <a:rPr lang="bg-BG" dirty="0" smtClean="0"/>
+              <a:t>: </a:t>
+            </a:r>
+            <a:r>
+              <a:rPr lang="bg-BG" dirty="0"/>
+              <a:t>0.444227005870841 </a:t>
+            </a:r>
+            <a:r>
+              <a:rPr lang="bg-BG" dirty="0" smtClean="0"/>
+              <a:t>, l </a:t>
+            </a:r>
+            <a:r>
+              <a:rPr lang="bg-BG" dirty="0"/>
+              <a:t>=  </a:t>
+            </a:r>
+            <a:r>
+              <a:rPr lang="bg-BG" dirty="0" smtClean="0"/>
+              <a:t>0.05</a:t>
+            </a:r>
+            <a:endParaRPr lang="bg-BG" dirty="0"/>
+          </a:p>
+          <a:p>
+            <a:pPr lvl="1"/>
+            <a:r>
+              <a:rPr lang="bg-BG" dirty="0"/>
+              <a:t>"5" - f1:  0.43969465648855, </a:t>
+            </a:r>
+            <a:r>
               <a:rPr lang="bg-BG" dirty="0" err="1"/>
-              <a:t>maxSum</a:t>
+              <a:t>precision</a:t>
             </a:r>
             <a:r>
               <a:rPr lang="bg-BG" dirty="0"/>
-              <a:t>:  1.44422700587084 , l =  0.05</a:t>
-            </a:r>
-          </a:p>
-          <a:p>
-            <a:pPr lvl="1"/>
+              <a:t>:  1, </a:t>
+            </a:r>
             <a:r>
               <a:rPr lang="bg-BG" dirty="0" err="1"/>
               <a:t>recall</a:t>
             </a:r>
             <a:r>
               <a:rPr lang="bg-BG" dirty="0"/>
-              <a:t>:  1 </a:t>
-            </a:r>
-            <a:r>
-              <a:rPr lang="bg-BG" dirty="0" err="1"/>
-              <a:t>accuracy</a:t>
-            </a:r>
-            <a:r>
-              <a:rPr lang="bg-BG" dirty="0"/>
-              <a:t>; 0.444227005870841 , l =  0.05</a:t>
-            </a:r>
-          </a:p>
-          <a:p>
-            <a:pPr lvl="1"/>
-            <a:r>
-              <a:rPr lang="bg-BG" dirty="0"/>
-              <a:t>"5" - f1:  0.43969465648855, </a:t>
-            </a:r>
-            <a:r>
-              <a:rPr lang="bg-BG" dirty="0" err="1"/>
-              <a:t>precision</a:t>
-            </a:r>
-            <a:r>
-              <a:rPr lang="bg-BG" dirty="0"/>
-              <a:t>:  1, </a:t>
-            </a:r>
-            <a:r>
-              <a:rPr lang="bg-BG" dirty="0" err="1"/>
-              <a:t>recall</a:t>
-            </a:r>
-            <a:r>
-              <a:rPr lang="bg-BG" dirty="0"/>
               <a:t>:  0.281800391389432</a:t>
             </a:r>
           </a:p>
@@ -4319,38 +4325,39 @@
           <a:p>
             <a:pPr lvl="1"/>
             <a:r>
-              <a:rPr lang="bg-BG" dirty="0" err="1"/>
-              <a:t>maxSum</a:t>
+              <a:rPr lang="bg-BG" dirty="0" err="1" smtClean="0"/>
+              <a:t>maxAccuracy</a:t>
+            </a:r>
+            <a:r>
+              <a:rPr lang="en-US" dirty="0" smtClean="0"/>
+              <a:t>:</a:t>
+            </a:r>
+            <a:r>
+              <a:rPr lang="bg-BG" dirty="0" smtClean="0"/>
+              <a:t> </a:t>
             </a:r>
             <a:r>
               <a:rPr lang="bg-BG" dirty="0"/>
-              <a:t>:  1.44422700587084 , l =  0.05</a:t>
+              <a:t>0.444227005870841, </a:t>
+            </a:r>
+            <a:r>
+              <a:rPr lang="bg-BG" dirty="0" smtClean="0"/>
+              <a:t>l </a:t>
+            </a:r>
+            <a:r>
+              <a:rPr lang="bg-BG" dirty="0"/>
+              <a:t>=  0.05</a:t>
             </a:r>
           </a:p>
           <a:p>
             <a:pPr lvl="1"/>
             <a:r>
-              <a:rPr lang="bg-BG" dirty="0" err="1"/>
-              <a:t>recall</a:t>
+              <a:rPr lang="bg-BG" dirty="0" smtClean="0"/>
+              <a:t>"</a:t>
             </a:r>
             <a:r>
               <a:rPr lang="bg-BG" dirty="0"/>
-              <a:t>:  1 </a:t>
-            </a:r>
-            <a:r>
-              <a:rPr lang="bg-BG" dirty="0" err="1"/>
-              <a:t>accuracy</a:t>
-            </a:r>
-            <a:r>
-              <a:rPr lang="bg-BG" dirty="0"/>
-              <a:t>; 0.444227005870841 , l =  0.05</a:t>
-            </a:r>
-          </a:p>
-          <a:p>
-            <a:pPr lvl="1"/>
-            <a:r>
-              <a:rPr lang="bg-BG" dirty="0"/>
-              <a:t>"5" - f1:  0.43969465648855, </a:t>
+              <a:t>5" - f1:  0.43969465648855, </a:t>
             </a:r>
             <a:r>
               <a:rPr lang="bg-BG" dirty="0" err="1"/>
@@ -4666,11 +4673,7 @@
             </a:r>
             <a:r>
               <a:rPr lang="bg-BG" dirty="0" smtClean="0"/>
-              <a:t> </a:t>
-            </a:r>
-            <a:r>
-              <a:rPr lang="bg-BG" dirty="0" smtClean="0"/>
-              <a:t>класификатор</a:t>
+              <a:t> класификатор</a:t>
             </a:r>
             <a:r>
               <a:rPr lang="en-US" dirty="0" smtClean="0"/>
@@ -4684,11 +4687,23 @@
           <a:p>
             <a:r>
               <a:rPr lang="bg-BG" dirty="0" smtClean="0"/>
-              <a:t>Да </a:t>
-            </a:r>
-            <a:r>
-              <a:rPr lang="bg-BG" dirty="0" smtClean="0"/>
-              <a:t>се приложи подхода описан в съществуващото решение</a:t>
+              <a:t>Да се приложи </a:t>
+            </a:r>
+            <a:r>
+              <a:rPr lang="bg-BG" dirty="0" smtClean="0"/>
+              <a:t>подхода</a:t>
+            </a:r>
+            <a:r>
+              <a:rPr lang="en-US" dirty="0" smtClean="0"/>
+              <a:t>,</a:t>
+            </a:r>
+            <a:r>
+              <a:rPr lang="bg-BG" dirty="0" smtClean="0"/>
+              <a:t> </a:t>
+            </a:r>
+            <a:r>
+              <a:rPr lang="bg-BG" dirty="0" smtClean="0"/>
+              <a:t>описан в съществуващото решение</a:t>
             </a:r>
           </a:p>
         </p:txBody>
@@ -4715,8 +4730,8 @@
         </p:blipFill>
         <p:spPr>
           <a:xfrm>
-            <a:off x="6456006" y="0"/>
-            <a:ext cx="5852238" cy="6858000"/>
+            <a:off x="6535270" y="92886"/>
+            <a:ext cx="5772973" cy="6765113"/>
           </a:xfrm>
           <a:prstGeom prst="rect">
             <a:avLst/>
@@ -4782,11 +4797,7 @@
           <a:p>
             <a:r>
               <a:rPr lang="bg-BG" dirty="0" smtClean="0"/>
-              <a:t>Благодарим ви за </a:t>
-            </a:r>
-            <a:r>
-              <a:rPr lang="bg-BG" dirty="0" smtClean="0"/>
-              <a:t>вниманието</a:t>
+              <a:t>Благодарим ви за вниманието</a:t>
             </a:r>
             <a:r>
               <a:rPr lang="en-US" dirty="0" smtClean="0"/>
